--- a/images/git-revert-reset/git_reset_path.pptx
+++ b/images/git-revert-reset/git_reset_path.pptx
@@ -290,7 +290,7 @@
           <a:p>
             <a:fld id="{8CB4B4FF-AE23-4E1E-B51C-5ED850CF274A}" type="datetimeFigureOut">
               <a:rPr kumimoji="1" lang="ja-JP" altLang="en-US" smtClean="0"/>
-              <a:t>2016/1/1</a:t>
+              <a:t>2016/1/12</a:t>
             </a:fld>
             <a:endParaRPr kumimoji="1" lang="ja-JP" altLang="en-US"/>
           </a:p>
@@ -492,7 +492,7 @@
           <a:p>
             <a:fld id="{8CB4B4FF-AE23-4E1E-B51C-5ED850CF274A}" type="datetimeFigureOut">
               <a:rPr kumimoji="1" lang="ja-JP" altLang="en-US" smtClean="0"/>
-              <a:t>2016/1/1</a:t>
+              <a:t>2016/1/12</a:t>
             </a:fld>
             <a:endParaRPr kumimoji="1" lang="ja-JP" altLang="en-US"/>
           </a:p>
@@ -704,7 +704,7 @@
           <a:p>
             <a:fld id="{8CB4B4FF-AE23-4E1E-B51C-5ED850CF274A}" type="datetimeFigureOut">
               <a:rPr kumimoji="1" lang="ja-JP" altLang="en-US" smtClean="0"/>
-              <a:t>2016/1/1</a:t>
+              <a:t>2016/1/12</a:t>
             </a:fld>
             <a:endParaRPr kumimoji="1" lang="ja-JP" altLang="en-US"/>
           </a:p>
@@ -906,7 +906,7 @@
           <a:p>
             <a:fld id="{8CB4B4FF-AE23-4E1E-B51C-5ED850CF274A}" type="datetimeFigureOut">
               <a:rPr kumimoji="1" lang="ja-JP" altLang="en-US" smtClean="0"/>
-              <a:t>2016/1/1</a:t>
+              <a:t>2016/1/12</a:t>
             </a:fld>
             <a:endParaRPr kumimoji="1" lang="ja-JP" altLang="en-US"/>
           </a:p>
@@ -1152,7 +1152,7 @@
           <a:p>
             <a:fld id="{8CB4B4FF-AE23-4E1E-B51C-5ED850CF274A}" type="datetimeFigureOut">
               <a:rPr kumimoji="1" lang="ja-JP" altLang="en-US" smtClean="0"/>
-              <a:t>2016/1/1</a:t>
+              <a:t>2016/1/12</a:t>
             </a:fld>
             <a:endParaRPr kumimoji="1" lang="ja-JP" altLang="en-US"/>
           </a:p>
@@ -1504,7 +1504,7 @@
           <a:p>
             <a:fld id="{8CB4B4FF-AE23-4E1E-B51C-5ED850CF274A}" type="datetimeFigureOut">
               <a:rPr kumimoji="1" lang="ja-JP" altLang="en-US" smtClean="0"/>
-              <a:t>2016/1/1</a:t>
+              <a:t>2016/1/12</a:t>
             </a:fld>
             <a:endParaRPr kumimoji="1" lang="ja-JP" altLang="en-US"/>
           </a:p>
@@ -1990,7 +1990,7 @@
           <a:p>
             <a:fld id="{8CB4B4FF-AE23-4E1E-B51C-5ED850CF274A}" type="datetimeFigureOut">
               <a:rPr kumimoji="1" lang="ja-JP" altLang="en-US" smtClean="0"/>
-              <a:t>2016/1/1</a:t>
+              <a:t>2016/1/12</a:t>
             </a:fld>
             <a:endParaRPr kumimoji="1" lang="ja-JP" altLang="en-US"/>
           </a:p>
@@ -2108,7 +2108,7 @@
           <a:p>
             <a:fld id="{8CB4B4FF-AE23-4E1E-B51C-5ED850CF274A}" type="datetimeFigureOut">
               <a:rPr kumimoji="1" lang="ja-JP" altLang="en-US" smtClean="0"/>
-              <a:t>2016/1/1</a:t>
+              <a:t>2016/1/12</a:t>
             </a:fld>
             <a:endParaRPr kumimoji="1" lang="ja-JP" altLang="en-US"/>
           </a:p>
@@ -2203,7 +2203,7 @@
           <a:p>
             <a:fld id="{8CB4B4FF-AE23-4E1E-B51C-5ED850CF274A}" type="datetimeFigureOut">
               <a:rPr kumimoji="1" lang="ja-JP" altLang="en-US" smtClean="0"/>
-              <a:t>2016/1/1</a:t>
+              <a:t>2016/1/12</a:t>
             </a:fld>
             <a:endParaRPr kumimoji="1" lang="ja-JP" altLang="en-US"/>
           </a:p>
@@ -2512,7 +2512,7 @@
           <a:p>
             <a:fld id="{8CB4B4FF-AE23-4E1E-B51C-5ED850CF274A}" type="datetimeFigureOut">
               <a:rPr kumimoji="1" lang="ja-JP" altLang="en-US" smtClean="0"/>
-              <a:t>2016/1/1</a:t>
+              <a:t>2016/1/12</a:t>
             </a:fld>
             <a:endParaRPr kumimoji="1" lang="ja-JP" altLang="en-US"/>
           </a:p>
@@ -2765,7 +2765,7 @@
           <a:p>
             <a:fld id="{8CB4B4FF-AE23-4E1E-B51C-5ED850CF274A}" type="datetimeFigureOut">
               <a:rPr kumimoji="1" lang="ja-JP" altLang="en-US" smtClean="0"/>
-              <a:t>2016/1/1</a:t>
+              <a:t>2016/1/12</a:t>
             </a:fld>
             <a:endParaRPr kumimoji="1" lang="ja-JP" altLang="en-US"/>
           </a:p>
@@ -3010,7 +3010,7 @@
           <a:p>
             <a:fld id="{8CB4B4FF-AE23-4E1E-B51C-5ED850CF274A}" type="datetimeFigureOut">
               <a:rPr kumimoji="1" lang="ja-JP" altLang="en-US" smtClean="0"/>
-              <a:t>2016/1/1</a:t>
+              <a:t>2016/1/12</a:t>
             </a:fld>
             <a:endParaRPr kumimoji="1" lang="ja-JP" altLang="en-US"/>
           </a:p>
@@ -3858,8 +3858,8 @@
         </p:nvSpPr>
         <p:spPr>
           <a:xfrm>
-            <a:off x="1403648" y="5798691"/>
-            <a:ext cx="1981492" cy="262047"/>
+            <a:off x="1403648" y="5798692"/>
+            <a:ext cx="1368152" cy="262046"/>
           </a:xfrm>
           <a:prstGeom prst="rect">
             <a:avLst/>
@@ -3895,8 +3895,13 @@
                   <a:schemeClr val="tx1"/>
                 </a:solidFill>
               </a:rPr>
-              <a:t>hoge/Readme.md</a:t>
-            </a:r>
+              <a:t>Readme.md</a:t>
+            </a:r>
+            <a:endParaRPr lang="en-US" altLang="ja-JP" dirty="0" smtClean="0">
+              <a:solidFill>
+                <a:schemeClr val="tx1"/>
+              </a:solidFill>
+            </a:endParaRPr>
           </a:p>
         </p:txBody>
       </p:sp>
@@ -3908,8 +3913,8 @@
         </p:nvSpPr>
         <p:spPr>
           <a:xfrm>
-            <a:off x="1403648" y="6070982"/>
-            <a:ext cx="1642273" cy="288032"/>
+            <a:off x="1403649" y="6070982"/>
+            <a:ext cx="1080120" cy="288032"/>
           </a:xfrm>
           <a:prstGeom prst="rect">
             <a:avLst/>
@@ -3939,21 +3944,13 @@
           <a:bodyPr rtlCol="0" anchor="ctr"/>
           <a:lstStyle/>
           <a:p>
-            <a:r>
-              <a:rPr lang="en-US" altLang="ja-JP" dirty="0" err="1" smtClean="0">
-                <a:solidFill>
-                  <a:schemeClr val="tx1"/>
-                </a:solidFill>
-              </a:rPr>
-              <a:t>hoge</a:t>
-            </a:r>
             <a:r>
               <a:rPr lang="en-US" altLang="ja-JP" dirty="0" smtClean="0">
                 <a:solidFill>
                   <a:schemeClr val="tx1"/>
                 </a:solidFill>
               </a:rPr>
-              <a:t>/Foo.java</a:t>
+              <a:t>Foo.java</a:t>
             </a:r>
             <a:endParaRPr kumimoji="1" lang="ja-JP" altLang="en-US" dirty="0">
               <a:solidFill>
@@ -4061,8 +4058,8 @@
         </p:nvCxnSpPr>
         <p:spPr>
           <a:xfrm flipV="1">
-            <a:off x="3385140" y="5196642"/>
-            <a:ext cx="1222655" cy="733073"/>
+            <a:off x="2771800" y="5196642"/>
+            <a:ext cx="1835995" cy="733073"/>
           </a:xfrm>
           <a:prstGeom prst="straightConnector1">
             <a:avLst/>
@@ -4101,8 +4098,8 @@
         </p:nvCxnSpPr>
         <p:spPr>
           <a:xfrm flipV="1">
-            <a:off x="3045921" y="5196642"/>
-            <a:ext cx="2786429" cy="1018356"/>
+            <a:off x="2483769" y="5196642"/>
+            <a:ext cx="3348581" cy="1018356"/>
           </a:xfrm>
           <a:prstGeom prst="straightConnector1">
             <a:avLst/>
@@ -4870,7 +4867,7 @@
         <p:spPr>
           <a:xfrm>
             <a:off x="1403648" y="6369257"/>
-            <a:ext cx="1642273" cy="288032"/>
+            <a:ext cx="1080121" cy="288032"/>
           </a:xfrm>
           <a:prstGeom prst="rect">
             <a:avLst/>
@@ -4900,21 +4897,13 @@
           <a:bodyPr rtlCol="0" anchor="ctr"/>
           <a:lstStyle/>
           <a:p>
-            <a:r>
-              <a:rPr lang="en-US" altLang="ja-JP" dirty="0" err="1" smtClean="0">
-                <a:solidFill>
-                  <a:schemeClr val="tx1"/>
-                </a:solidFill>
-              </a:rPr>
-              <a:t>hoge</a:t>
-            </a:r>
             <a:r>
               <a:rPr lang="en-US" altLang="ja-JP" dirty="0" smtClean="0">
                 <a:solidFill>
                   <a:schemeClr val="tx1"/>
                 </a:solidFill>
               </a:rPr>
-              <a:t>/New.java</a:t>
+              <a:t>New.java</a:t>
             </a:r>
             <a:endParaRPr kumimoji="1" lang="ja-JP" altLang="en-US" dirty="0">
               <a:solidFill>
@@ -4935,8 +4924,8 @@
         </p:nvCxnSpPr>
         <p:spPr>
           <a:xfrm flipV="1">
-            <a:off x="3045921" y="5188754"/>
-            <a:ext cx="4018530" cy="1324519"/>
+            <a:off x="2483769" y="5188754"/>
+            <a:ext cx="4580682" cy="1324519"/>
           </a:xfrm>
           <a:prstGeom prst="straightConnector1">
             <a:avLst/>
@@ -6254,119 +6243,6 @@
       </p:sp>
       <p:sp>
         <p:nvSpPr>
-          <p:cNvPr id="22" name="正方形/長方形 21"/>
-          <p:cNvSpPr/>
-          <p:nvPr/>
-        </p:nvSpPr>
-        <p:spPr>
-          <a:xfrm>
-            <a:off x="1403648" y="5798691"/>
-            <a:ext cx="1981492" cy="262047"/>
-          </a:xfrm>
-          <a:prstGeom prst="rect">
-            <a:avLst/>
-          </a:prstGeom>
-          <a:noFill/>
-          <a:ln>
-            <a:noFill/>
-          </a:ln>
-        </p:spPr>
-        <p:style>
-          <a:lnRef idx="2">
-            <a:schemeClr val="accent1">
-              <a:shade val="50000"/>
-            </a:schemeClr>
-          </a:lnRef>
-          <a:fillRef idx="1">
-            <a:schemeClr val="accent1"/>
-          </a:fillRef>
-          <a:effectRef idx="0">
-            <a:schemeClr val="accent1"/>
-          </a:effectRef>
-          <a:fontRef idx="minor">
-            <a:schemeClr val="lt1"/>
-          </a:fontRef>
-        </p:style>
-        <p:txBody>
-          <a:bodyPr rtlCol="0" anchor="ctr"/>
-          <a:lstStyle/>
-          <a:p>
-            <a:r>
-              <a:rPr lang="en-US" altLang="ja-JP" dirty="0" smtClean="0">
-                <a:solidFill>
-                  <a:schemeClr val="tx1"/>
-                </a:solidFill>
-              </a:rPr>
-              <a:t>hoge/Readme.md</a:t>
-            </a:r>
-          </a:p>
-        </p:txBody>
-      </p:sp>
-      <p:sp>
-        <p:nvSpPr>
-          <p:cNvPr id="24" name="正方形/長方形 23"/>
-          <p:cNvSpPr/>
-          <p:nvPr/>
-        </p:nvSpPr>
-        <p:spPr>
-          <a:xfrm>
-            <a:off x="1403648" y="6070982"/>
-            <a:ext cx="1642273" cy="288032"/>
-          </a:xfrm>
-          <a:prstGeom prst="rect">
-            <a:avLst/>
-          </a:prstGeom>
-          <a:noFill/>
-          <a:ln>
-            <a:noFill/>
-          </a:ln>
-        </p:spPr>
-        <p:style>
-          <a:lnRef idx="2">
-            <a:schemeClr val="accent1">
-              <a:shade val="50000"/>
-            </a:schemeClr>
-          </a:lnRef>
-          <a:fillRef idx="1">
-            <a:schemeClr val="accent1"/>
-          </a:fillRef>
-          <a:effectRef idx="0">
-            <a:schemeClr val="accent1"/>
-          </a:effectRef>
-          <a:fontRef idx="minor">
-            <a:schemeClr val="lt1"/>
-          </a:fontRef>
-        </p:style>
-        <p:txBody>
-          <a:bodyPr rtlCol="0" anchor="ctr"/>
-          <a:lstStyle/>
-          <a:p>
-            <a:r>
-              <a:rPr lang="en-US" altLang="ja-JP" dirty="0" err="1" smtClean="0">
-                <a:solidFill>
-                  <a:schemeClr val="tx1"/>
-                </a:solidFill>
-              </a:rPr>
-              <a:t>hoge</a:t>
-            </a:r>
-            <a:r>
-              <a:rPr lang="en-US" altLang="ja-JP" dirty="0" smtClean="0">
-                <a:solidFill>
-                  <a:schemeClr val="tx1"/>
-                </a:solidFill>
-              </a:rPr>
-              <a:t>/Foo.java</a:t>
-            </a:r>
-            <a:endParaRPr kumimoji="1" lang="ja-JP" altLang="en-US" dirty="0">
-              <a:solidFill>
-                <a:schemeClr val="tx1"/>
-              </a:solidFill>
-            </a:endParaRPr>
-          </a:p>
-        </p:txBody>
-      </p:sp>
-      <p:sp>
-        <p:nvSpPr>
           <p:cNvPr id="28" name="角丸四角形 27"/>
           <p:cNvSpPr/>
           <p:nvPr/>
@@ -6452,86 +6328,6 @@
           </a:p>
         </p:txBody>
       </p:sp>
-      <p:cxnSp>
-        <p:nvCxnSpPr>
-          <p:cNvPr id="31" name="直線矢印コネクタ 30"/>
-          <p:cNvCxnSpPr>
-            <a:stCxn id="22" idx="3"/>
-            <a:endCxn id="54" idx="2"/>
-          </p:cNvCxnSpPr>
-          <p:nvPr/>
-        </p:nvCxnSpPr>
-        <p:spPr>
-          <a:xfrm flipV="1">
-            <a:off x="3385140" y="5188754"/>
-            <a:ext cx="4917839" cy="740961"/>
-          </a:xfrm>
-          <a:prstGeom prst="straightConnector1">
-            <a:avLst/>
-          </a:prstGeom>
-          <a:ln w="19050">
-            <a:solidFill>
-              <a:schemeClr val="tx1"/>
-            </a:solidFill>
-            <a:prstDash val="sysDash"/>
-            <a:tailEnd type="triangle" w="lg" len="med"/>
-          </a:ln>
-        </p:spPr>
-        <p:style>
-          <a:lnRef idx="1">
-            <a:schemeClr val="accent1"/>
-          </a:lnRef>
-          <a:fillRef idx="0">
-            <a:schemeClr val="accent1"/>
-          </a:fillRef>
-          <a:effectRef idx="0">
-            <a:schemeClr val="accent1"/>
-          </a:effectRef>
-          <a:fontRef idx="minor">
-            <a:schemeClr val="tx1"/>
-          </a:fontRef>
-        </p:style>
-      </p:cxnSp>
-      <p:cxnSp>
-        <p:nvCxnSpPr>
-          <p:cNvPr id="32" name="直線矢印コネクタ 31"/>
-          <p:cNvCxnSpPr>
-            <a:stCxn id="24" idx="3"/>
-            <a:endCxn id="29" idx="2"/>
-          </p:cNvCxnSpPr>
-          <p:nvPr/>
-        </p:nvCxnSpPr>
-        <p:spPr>
-          <a:xfrm flipV="1">
-            <a:off x="3045921" y="5196642"/>
-            <a:ext cx="2786429" cy="1018356"/>
-          </a:xfrm>
-          <a:prstGeom prst="straightConnector1">
-            <a:avLst/>
-          </a:prstGeom>
-          <a:ln w="19050">
-            <a:solidFill>
-              <a:schemeClr val="tx1"/>
-            </a:solidFill>
-            <a:prstDash val="sysDash"/>
-            <a:tailEnd type="triangle" w="lg" len="med"/>
-          </a:ln>
-        </p:spPr>
-        <p:style>
-          <a:lnRef idx="1">
-            <a:schemeClr val="accent1"/>
-          </a:lnRef>
-          <a:fillRef idx="0">
-            <a:schemeClr val="accent1"/>
-          </a:fillRef>
-          <a:effectRef idx="0">
-            <a:schemeClr val="accent1"/>
-          </a:effectRef>
-          <a:fontRef idx="minor">
-            <a:schemeClr val="tx1"/>
-          </a:fontRef>
-        </p:style>
-      </p:cxnSp>
       <p:sp>
         <p:nvSpPr>
           <p:cNvPr id="35" name="二等辺三角形 34"/>
@@ -7265,109 +7061,6 @@
       </p:sp>
       <p:sp>
         <p:nvSpPr>
-          <p:cNvPr id="41" name="正方形/長方形 40"/>
-          <p:cNvSpPr/>
-          <p:nvPr/>
-        </p:nvSpPr>
-        <p:spPr>
-          <a:xfrm>
-            <a:off x="1403648" y="6369257"/>
-            <a:ext cx="1642273" cy="288032"/>
-          </a:xfrm>
-          <a:prstGeom prst="rect">
-            <a:avLst/>
-          </a:prstGeom>
-          <a:noFill/>
-          <a:ln>
-            <a:noFill/>
-          </a:ln>
-        </p:spPr>
-        <p:style>
-          <a:lnRef idx="2">
-            <a:schemeClr val="accent1">
-              <a:shade val="50000"/>
-            </a:schemeClr>
-          </a:lnRef>
-          <a:fillRef idx="1">
-            <a:schemeClr val="accent1"/>
-          </a:fillRef>
-          <a:effectRef idx="0">
-            <a:schemeClr val="accent1"/>
-          </a:effectRef>
-          <a:fontRef idx="minor">
-            <a:schemeClr val="lt1"/>
-          </a:fontRef>
-        </p:style>
-        <p:txBody>
-          <a:bodyPr rtlCol="0" anchor="ctr"/>
-          <a:lstStyle/>
-          <a:p>
-            <a:r>
-              <a:rPr lang="en-US" altLang="ja-JP" dirty="0" err="1" smtClean="0">
-                <a:solidFill>
-                  <a:schemeClr val="tx1"/>
-                </a:solidFill>
-              </a:rPr>
-              <a:t>hoge</a:t>
-            </a:r>
-            <a:r>
-              <a:rPr lang="en-US" altLang="ja-JP" dirty="0" smtClean="0">
-                <a:solidFill>
-                  <a:schemeClr val="tx1"/>
-                </a:solidFill>
-              </a:rPr>
-              <a:t>/New.java</a:t>
-            </a:r>
-            <a:endParaRPr kumimoji="1" lang="ja-JP" altLang="en-US" dirty="0">
-              <a:solidFill>
-                <a:schemeClr val="tx1"/>
-              </a:solidFill>
-            </a:endParaRPr>
-          </a:p>
-        </p:txBody>
-      </p:sp>
-      <p:cxnSp>
-        <p:nvCxnSpPr>
-          <p:cNvPr id="42" name="直線矢印コネクタ 41"/>
-          <p:cNvCxnSpPr>
-            <a:stCxn id="41" idx="3"/>
-            <a:endCxn id="40" idx="2"/>
-          </p:cNvCxnSpPr>
-          <p:nvPr/>
-        </p:nvCxnSpPr>
-        <p:spPr>
-          <a:xfrm flipV="1">
-            <a:off x="3045921" y="5188754"/>
-            <a:ext cx="4018530" cy="1324519"/>
-          </a:xfrm>
-          <a:prstGeom prst="straightConnector1">
-            <a:avLst/>
-          </a:prstGeom>
-          <a:ln w="19050">
-            <a:solidFill>
-              <a:schemeClr val="tx1"/>
-            </a:solidFill>
-            <a:prstDash val="sysDash"/>
-            <a:tailEnd type="triangle" w="lg" len="med"/>
-          </a:ln>
-        </p:spPr>
-        <p:style>
-          <a:lnRef idx="1">
-            <a:schemeClr val="accent1"/>
-          </a:lnRef>
-          <a:fillRef idx="0">
-            <a:schemeClr val="accent1"/>
-          </a:fillRef>
-          <a:effectRef idx="0">
-            <a:schemeClr val="accent1"/>
-          </a:effectRef>
-          <a:fontRef idx="minor">
-            <a:schemeClr val="tx1"/>
-          </a:fontRef>
-        </p:style>
-      </p:cxnSp>
-      <p:sp>
-        <p:nvSpPr>
           <p:cNvPr id="44" name="二等辺三角形 43"/>
           <p:cNvSpPr/>
           <p:nvPr/>
@@ -8020,11 +7713,7 @@
             </a:r>
             <a:r>
               <a:rPr kumimoji="1" lang="ja-JP" altLang="en-US" dirty="0" smtClean="0"/>
-              <a:t>編集して、</a:t>
-            </a:r>
-            <a:r>
-              <a:rPr kumimoji="1" lang="ja-JP" altLang="en-US" dirty="0" smtClean="0"/>
-              <a:t>「</a:t>
+              <a:t>編集して、「</a:t>
             </a:r>
             <a:r>
               <a:rPr kumimoji="1" lang="en-US" altLang="ja-JP" dirty="0" err="1" smtClean="0"/>
@@ -8208,6 +7897,289 @@
           <a:xfrm flipH="1">
             <a:off x="6912230" y="1916832"/>
             <a:ext cx="144016" cy="216024"/>
+          </a:xfrm>
+          <a:prstGeom prst="straightConnector1">
+            <a:avLst/>
+          </a:prstGeom>
+          <a:ln w="19050">
+            <a:solidFill>
+              <a:schemeClr val="tx1"/>
+            </a:solidFill>
+            <a:prstDash val="sysDash"/>
+            <a:tailEnd type="triangle" w="lg" len="med"/>
+          </a:ln>
+        </p:spPr>
+        <p:style>
+          <a:lnRef idx="1">
+            <a:schemeClr val="accent1"/>
+          </a:lnRef>
+          <a:fillRef idx="0">
+            <a:schemeClr val="accent1"/>
+          </a:fillRef>
+          <a:effectRef idx="0">
+            <a:schemeClr val="accent1"/>
+          </a:effectRef>
+          <a:fontRef idx="minor">
+            <a:schemeClr val="tx1"/>
+          </a:fontRef>
+        </p:style>
+      </p:cxnSp>
+      <p:sp>
+        <p:nvSpPr>
+          <p:cNvPr id="65" name="正方形/長方形 64"/>
+          <p:cNvSpPr/>
+          <p:nvPr/>
+        </p:nvSpPr>
+        <p:spPr>
+          <a:xfrm>
+            <a:off x="1403648" y="5798692"/>
+            <a:ext cx="1368152" cy="262046"/>
+          </a:xfrm>
+          <a:prstGeom prst="rect">
+            <a:avLst/>
+          </a:prstGeom>
+          <a:noFill/>
+          <a:ln>
+            <a:noFill/>
+          </a:ln>
+        </p:spPr>
+        <p:style>
+          <a:lnRef idx="2">
+            <a:schemeClr val="accent1">
+              <a:shade val="50000"/>
+            </a:schemeClr>
+          </a:lnRef>
+          <a:fillRef idx="1">
+            <a:schemeClr val="accent1"/>
+          </a:fillRef>
+          <a:effectRef idx="0">
+            <a:schemeClr val="accent1"/>
+          </a:effectRef>
+          <a:fontRef idx="minor">
+            <a:schemeClr val="lt1"/>
+          </a:fontRef>
+        </p:style>
+        <p:txBody>
+          <a:bodyPr rtlCol="0" anchor="ctr"/>
+          <a:lstStyle/>
+          <a:p>
+            <a:r>
+              <a:rPr lang="en-US" altLang="ja-JP" dirty="0" smtClean="0">
+                <a:solidFill>
+                  <a:schemeClr val="tx1"/>
+                </a:solidFill>
+              </a:rPr>
+              <a:t>Readme.md</a:t>
+            </a:r>
+            <a:endParaRPr lang="en-US" altLang="ja-JP" dirty="0" smtClean="0">
+              <a:solidFill>
+                <a:schemeClr val="tx1"/>
+              </a:solidFill>
+            </a:endParaRPr>
+          </a:p>
+        </p:txBody>
+      </p:sp>
+      <p:sp>
+        <p:nvSpPr>
+          <p:cNvPr id="66" name="正方形/長方形 65"/>
+          <p:cNvSpPr/>
+          <p:nvPr/>
+        </p:nvSpPr>
+        <p:spPr>
+          <a:xfrm>
+            <a:off x="1403649" y="6070982"/>
+            <a:ext cx="1080120" cy="288032"/>
+          </a:xfrm>
+          <a:prstGeom prst="rect">
+            <a:avLst/>
+          </a:prstGeom>
+          <a:noFill/>
+          <a:ln>
+            <a:noFill/>
+          </a:ln>
+        </p:spPr>
+        <p:style>
+          <a:lnRef idx="2">
+            <a:schemeClr val="accent1">
+              <a:shade val="50000"/>
+            </a:schemeClr>
+          </a:lnRef>
+          <a:fillRef idx="1">
+            <a:schemeClr val="accent1"/>
+          </a:fillRef>
+          <a:effectRef idx="0">
+            <a:schemeClr val="accent1"/>
+          </a:effectRef>
+          <a:fontRef idx="minor">
+            <a:schemeClr val="lt1"/>
+          </a:fontRef>
+        </p:style>
+        <p:txBody>
+          <a:bodyPr rtlCol="0" anchor="ctr"/>
+          <a:lstStyle/>
+          <a:p>
+            <a:r>
+              <a:rPr lang="en-US" altLang="ja-JP" dirty="0" smtClean="0">
+                <a:solidFill>
+                  <a:schemeClr val="tx1"/>
+                </a:solidFill>
+              </a:rPr>
+              <a:t>Foo.java</a:t>
+            </a:r>
+            <a:endParaRPr kumimoji="1" lang="ja-JP" altLang="en-US" dirty="0">
+              <a:solidFill>
+                <a:schemeClr val="tx1"/>
+              </a:solidFill>
+            </a:endParaRPr>
+          </a:p>
+        </p:txBody>
+      </p:sp>
+      <p:cxnSp>
+        <p:nvCxnSpPr>
+          <p:cNvPr id="67" name="直線矢印コネクタ 66"/>
+          <p:cNvCxnSpPr>
+            <a:stCxn id="65" idx="3"/>
+            <a:endCxn id="54" idx="2"/>
+          </p:cNvCxnSpPr>
+          <p:nvPr/>
+        </p:nvCxnSpPr>
+        <p:spPr>
+          <a:xfrm flipV="1">
+            <a:off x="2771800" y="5188754"/>
+            <a:ext cx="5531179" cy="740961"/>
+          </a:xfrm>
+          <a:prstGeom prst="straightConnector1">
+            <a:avLst/>
+          </a:prstGeom>
+          <a:ln w="19050">
+            <a:solidFill>
+              <a:schemeClr val="tx1"/>
+            </a:solidFill>
+            <a:prstDash val="sysDash"/>
+            <a:tailEnd type="triangle" w="lg" len="med"/>
+          </a:ln>
+        </p:spPr>
+        <p:style>
+          <a:lnRef idx="1">
+            <a:schemeClr val="accent1"/>
+          </a:lnRef>
+          <a:fillRef idx="0">
+            <a:schemeClr val="accent1"/>
+          </a:fillRef>
+          <a:effectRef idx="0">
+            <a:schemeClr val="accent1"/>
+          </a:effectRef>
+          <a:fontRef idx="minor">
+            <a:schemeClr val="tx1"/>
+          </a:fontRef>
+        </p:style>
+      </p:cxnSp>
+      <p:cxnSp>
+        <p:nvCxnSpPr>
+          <p:cNvPr id="68" name="直線矢印コネクタ 67"/>
+          <p:cNvCxnSpPr>
+            <a:stCxn id="66" idx="3"/>
+          </p:cNvCxnSpPr>
+          <p:nvPr/>
+        </p:nvCxnSpPr>
+        <p:spPr>
+          <a:xfrm flipV="1">
+            <a:off x="2483769" y="5196642"/>
+            <a:ext cx="3348581" cy="1018356"/>
+          </a:xfrm>
+          <a:prstGeom prst="straightConnector1">
+            <a:avLst/>
+          </a:prstGeom>
+          <a:ln w="19050">
+            <a:solidFill>
+              <a:schemeClr val="tx1"/>
+            </a:solidFill>
+            <a:prstDash val="sysDash"/>
+            <a:tailEnd type="triangle" w="lg" len="med"/>
+          </a:ln>
+        </p:spPr>
+        <p:style>
+          <a:lnRef idx="1">
+            <a:schemeClr val="accent1"/>
+          </a:lnRef>
+          <a:fillRef idx="0">
+            <a:schemeClr val="accent1"/>
+          </a:fillRef>
+          <a:effectRef idx="0">
+            <a:schemeClr val="accent1"/>
+          </a:effectRef>
+          <a:fontRef idx="minor">
+            <a:schemeClr val="tx1"/>
+          </a:fontRef>
+        </p:style>
+      </p:cxnSp>
+      <p:sp>
+        <p:nvSpPr>
+          <p:cNvPr id="69" name="正方形/長方形 68"/>
+          <p:cNvSpPr/>
+          <p:nvPr/>
+        </p:nvSpPr>
+        <p:spPr>
+          <a:xfrm>
+            <a:off x="1403648" y="6369257"/>
+            <a:ext cx="1080121" cy="288032"/>
+          </a:xfrm>
+          <a:prstGeom prst="rect">
+            <a:avLst/>
+          </a:prstGeom>
+          <a:noFill/>
+          <a:ln>
+            <a:noFill/>
+          </a:ln>
+        </p:spPr>
+        <p:style>
+          <a:lnRef idx="2">
+            <a:schemeClr val="accent1">
+              <a:shade val="50000"/>
+            </a:schemeClr>
+          </a:lnRef>
+          <a:fillRef idx="1">
+            <a:schemeClr val="accent1"/>
+          </a:fillRef>
+          <a:effectRef idx="0">
+            <a:schemeClr val="accent1"/>
+          </a:effectRef>
+          <a:fontRef idx="minor">
+            <a:schemeClr val="lt1"/>
+          </a:fontRef>
+        </p:style>
+        <p:txBody>
+          <a:bodyPr rtlCol="0" anchor="ctr"/>
+          <a:lstStyle/>
+          <a:p>
+            <a:r>
+              <a:rPr lang="en-US" altLang="ja-JP" dirty="0" smtClean="0">
+                <a:solidFill>
+                  <a:schemeClr val="tx1"/>
+                </a:solidFill>
+              </a:rPr>
+              <a:t>New.java</a:t>
+            </a:r>
+            <a:endParaRPr kumimoji="1" lang="ja-JP" altLang="en-US" dirty="0">
+              <a:solidFill>
+                <a:schemeClr val="tx1"/>
+              </a:solidFill>
+            </a:endParaRPr>
+          </a:p>
+        </p:txBody>
+      </p:sp>
+      <p:cxnSp>
+        <p:nvCxnSpPr>
+          <p:cNvPr id="70" name="直線矢印コネクタ 69"/>
+          <p:cNvCxnSpPr>
+            <a:stCxn id="69" idx="3"/>
+          </p:cNvCxnSpPr>
+          <p:nvPr/>
+        </p:nvCxnSpPr>
+        <p:spPr>
+          <a:xfrm flipV="1">
+            <a:off x="2483769" y="5188754"/>
+            <a:ext cx="4580682" cy="1324519"/>
           </a:xfrm>
           <a:prstGeom prst="straightConnector1">
             <a:avLst/>
@@ -8732,119 +8704,6 @@
       </p:sp>
       <p:sp>
         <p:nvSpPr>
-          <p:cNvPr id="22" name="正方形/長方形 21"/>
-          <p:cNvSpPr/>
-          <p:nvPr/>
-        </p:nvSpPr>
-        <p:spPr>
-          <a:xfrm>
-            <a:off x="1403648" y="5798691"/>
-            <a:ext cx="1981492" cy="262047"/>
-          </a:xfrm>
-          <a:prstGeom prst="rect">
-            <a:avLst/>
-          </a:prstGeom>
-          <a:noFill/>
-          <a:ln>
-            <a:noFill/>
-          </a:ln>
-        </p:spPr>
-        <p:style>
-          <a:lnRef idx="2">
-            <a:schemeClr val="accent1">
-              <a:shade val="50000"/>
-            </a:schemeClr>
-          </a:lnRef>
-          <a:fillRef idx="1">
-            <a:schemeClr val="accent1"/>
-          </a:fillRef>
-          <a:effectRef idx="0">
-            <a:schemeClr val="accent1"/>
-          </a:effectRef>
-          <a:fontRef idx="minor">
-            <a:schemeClr val="lt1"/>
-          </a:fontRef>
-        </p:style>
-        <p:txBody>
-          <a:bodyPr rtlCol="0" anchor="ctr"/>
-          <a:lstStyle/>
-          <a:p>
-            <a:r>
-              <a:rPr lang="en-US" altLang="ja-JP" dirty="0" smtClean="0">
-                <a:solidFill>
-                  <a:schemeClr val="tx1"/>
-                </a:solidFill>
-              </a:rPr>
-              <a:t>hoge/Readme.md</a:t>
-            </a:r>
-          </a:p>
-        </p:txBody>
-      </p:sp>
-      <p:sp>
-        <p:nvSpPr>
-          <p:cNvPr id="24" name="正方形/長方形 23"/>
-          <p:cNvSpPr/>
-          <p:nvPr/>
-        </p:nvSpPr>
-        <p:spPr>
-          <a:xfrm>
-            <a:off x="1403648" y="6070982"/>
-            <a:ext cx="1642273" cy="288032"/>
-          </a:xfrm>
-          <a:prstGeom prst="rect">
-            <a:avLst/>
-          </a:prstGeom>
-          <a:noFill/>
-          <a:ln>
-            <a:noFill/>
-          </a:ln>
-        </p:spPr>
-        <p:style>
-          <a:lnRef idx="2">
-            <a:schemeClr val="accent1">
-              <a:shade val="50000"/>
-            </a:schemeClr>
-          </a:lnRef>
-          <a:fillRef idx="1">
-            <a:schemeClr val="accent1"/>
-          </a:fillRef>
-          <a:effectRef idx="0">
-            <a:schemeClr val="accent1"/>
-          </a:effectRef>
-          <a:fontRef idx="minor">
-            <a:schemeClr val="lt1"/>
-          </a:fontRef>
-        </p:style>
-        <p:txBody>
-          <a:bodyPr rtlCol="0" anchor="ctr"/>
-          <a:lstStyle/>
-          <a:p>
-            <a:r>
-              <a:rPr lang="en-US" altLang="ja-JP" dirty="0" err="1" smtClean="0">
-                <a:solidFill>
-                  <a:schemeClr val="tx1"/>
-                </a:solidFill>
-              </a:rPr>
-              <a:t>hoge</a:t>
-            </a:r>
-            <a:r>
-              <a:rPr lang="en-US" altLang="ja-JP" dirty="0" smtClean="0">
-                <a:solidFill>
-                  <a:schemeClr val="tx1"/>
-                </a:solidFill>
-              </a:rPr>
-              <a:t>/Foo.java</a:t>
-            </a:r>
-            <a:endParaRPr kumimoji="1" lang="ja-JP" altLang="en-US" dirty="0">
-              <a:solidFill>
-                <a:schemeClr val="tx1"/>
-              </a:solidFill>
-            </a:endParaRPr>
-          </a:p>
-        </p:txBody>
-      </p:sp>
-      <p:sp>
-        <p:nvSpPr>
           <p:cNvPr id="28" name="角丸四角形 27"/>
           <p:cNvSpPr/>
           <p:nvPr/>
@@ -8930,86 +8789,6 @@
           </a:p>
         </p:txBody>
       </p:sp>
-      <p:cxnSp>
-        <p:nvCxnSpPr>
-          <p:cNvPr id="31" name="直線矢印コネクタ 30"/>
-          <p:cNvCxnSpPr>
-            <a:stCxn id="22" idx="3"/>
-            <a:endCxn id="28" idx="2"/>
-          </p:cNvCxnSpPr>
-          <p:nvPr/>
-        </p:nvCxnSpPr>
-        <p:spPr>
-          <a:xfrm flipV="1">
-            <a:off x="3385140" y="5196642"/>
-            <a:ext cx="1222655" cy="733073"/>
-          </a:xfrm>
-          <a:prstGeom prst="straightConnector1">
-            <a:avLst/>
-          </a:prstGeom>
-          <a:ln w="19050">
-            <a:solidFill>
-              <a:schemeClr val="tx1"/>
-            </a:solidFill>
-            <a:prstDash val="sysDash"/>
-            <a:tailEnd type="triangle" w="lg" len="med"/>
-          </a:ln>
-        </p:spPr>
-        <p:style>
-          <a:lnRef idx="1">
-            <a:schemeClr val="accent1"/>
-          </a:lnRef>
-          <a:fillRef idx="0">
-            <a:schemeClr val="accent1"/>
-          </a:fillRef>
-          <a:effectRef idx="0">
-            <a:schemeClr val="accent1"/>
-          </a:effectRef>
-          <a:fontRef idx="minor">
-            <a:schemeClr val="tx1"/>
-          </a:fontRef>
-        </p:style>
-      </p:cxnSp>
-      <p:cxnSp>
-        <p:nvCxnSpPr>
-          <p:cNvPr id="32" name="直線矢印コネクタ 31"/>
-          <p:cNvCxnSpPr>
-            <a:stCxn id="24" idx="3"/>
-            <a:endCxn id="29" idx="2"/>
-          </p:cNvCxnSpPr>
-          <p:nvPr/>
-        </p:nvCxnSpPr>
-        <p:spPr>
-          <a:xfrm flipV="1">
-            <a:off x="3045921" y="5196642"/>
-            <a:ext cx="2786429" cy="1018356"/>
-          </a:xfrm>
-          <a:prstGeom prst="straightConnector1">
-            <a:avLst/>
-          </a:prstGeom>
-          <a:ln w="19050">
-            <a:solidFill>
-              <a:schemeClr val="tx1"/>
-            </a:solidFill>
-            <a:prstDash val="sysDash"/>
-            <a:tailEnd type="triangle" w="lg" len="med"/>
-          </a:ln>
-        </p:spPr>
-        <p:style>
-          <a:lnRef idx="1">
-            <a:schemeClr val="accent1"/>
-          </a:lnRef>
-          <a:fillRef idx="0">
-            <a:schemeClr val="accent1"/>
-          </a:fillRef>
-          <a:effectRef idx="0">
-            <a:schemeClr val="accent1"/>
-          </a:effectRef>
-          <a:fontRef idx="minor">
-            <a:schemeClr val="tx1"/>
-          </a:fontRef>
-        </p:style>
-      </p:cxnSp>
       <p:sp>
         <p:nvSpPr>
           <p:cNvPr id="35" name="二等辺三角形 34"/>
@@ -9743,109 +9522,6 @@
       </p:sp>
       <p:sp>
         <p:nvSpPr>
-          <p:cNvPr id="41" name="正方形/長方形 40"/>
-          <p:cNvSpPr/>
-          <p:nvPr/>
-        </p:nvSpPr>
-        <p:spPr>
-          <a:xfrm>
-            <a:off x="1403648" y="6369257"/>
-            <a:ext cx="1642273" cy="288032"/>
-          </a:xfrm>
-          <a:prstGeom prst="rect">
-            <a:avLst/>
-          </a:prstGeom>
-          <a:noFill/>
-          <a:ln>
-            <a:noFill/>
-          </a:ln>
-        </p:spPr>
-        <p:style>
-          <a:lnRef idx="2">
-            <a:schemeClr val="accent1">
-              <a:shade val="50000"/>
-            </a:schemeClr>
-          </a:lnRef>
-          <a:fillRef idx="1">
-            <a:schemeClr val="accent1"/>
-          </a:fillRef>
-          <a:effectRef idx="0">
-            <a:schemeClr val="accent1"/>
-          </a:effectRef>
-          <a:fontRef idx="minor">
-            <a:schemeClr val="lt1"/>
-          </a:fontRef>
-        </p:style>
-        <p:txBody>
-          <a:bodyPr rtlCol="0" anchor="ctr"/>
-          <a:lstStyle/>
-          <a:p>
-            <a:r>
-              <a:rPr lang="en-US" altLang="ja-JP" dirty="0" err="1" smtClean="0">
-                <a:solidFill>
-                  <a:schemeClr val="tx1"/>
-                </a:solidFill>
-              </a:rPr>
-              <a:t>hoge</a:t>
-            </a:r>
-            <a:r>
-              <a:rPr lang="en-US" altLang="ja-JP" dirty="0" smtClean="0">
-                <a:solidFill>
-                  <a:schemeClr val="tx1"/>
-                </a:solidFill>
-              </a:rPr>
-              <a:t>/New.java</a:t>
-            </a:r>
-            <a:endParaRPr kumimoji="1" lang="ja-JP" altLang="en-US" dirty="0">
-              <a:solidFill>
-                <a:schemeClr val="tx1"/>
-              </a:solidFill>
-            </a:endParaRPr>
-          </a:p>
-        </p:txBody>
-      </p:sp>
-      <p:cxnSp>
-        <p:nvCxnSpPr>
-          <p:cNvPr id="42" name="直線矢印コネクタ 41"/>
-          <p:cNvCxnSpPr>
-            <a:stCxn id="41" idx="3"/>
-            <a:endCxn id="40" idx="2"/>
-          </p:cNvCxnSpPr>
-          <p:nvPr/>
-        </p:nvCxnSpPr>
-        <p:spPr>
-          <a:xfrm flipV="1">
-            <a:off x="3045921" y="5188754"/>
-            <a:ext cx="4018530" cy="1324519"/>
-          </a:xfrm>
-          <a:prstGeom prst="straightConnector1">
-            <a:avLst/>
-          </a:prstGeom>
-          <a:ln w="19050">
-            <a:solidFill>
-              <a:schemeClr val="tx1"/>
-            </a:solidFill>
-            <a:prstDash val="sysDash"/>
-            <a:tailEnd type="triangle" w="lg" len="med"/>
-          </a:ln>
-        </p:spPr>
-        <p:style>
-          <a:lnRef idx="1">
-            <a:schemeClr val="accent1"/>
-          </a:lnRef>
-          <a:fillRef idx="0">
-            <a:schemeClr val="accent1"/>
-          </a:fillRef>
-          <a:effectRef idx="0">
-            <a:schemeClr val="accent1"/>
-          </a:effectRef>
-          <a:fontRef idx="minor">
-            <a:schemeClr val="tx1"/>
-          </a:fontRef>
-        </p:style>
-      </p:cxnSp>
-      <p:sp>
-        <p:nvSpPr>
           <p:cNvPr id="44" name="二等辺三角形 43"/>
           <p:cNvSpPr/>
           <p:nvPr/>
@@ -10502,11 +10178,7 @@
             </a:r>
             <a:r>
               <a:rPr kumimoji="1" lang="ja-JP" altLang="en-US" dirty="0" smtClean="0"/>
-              <a:t>」を実行した</a:t>
-            </a:r>
-            <a:r>
-              <a:rPr kumimoji="1" lang="ja-JP" altLang="en-US" dirty="0" smtClean="0"/>
-              <a:t>。</a:t>
+              <a:t>」を実行した。</a:t>
             </a:r>
             <a:endParaRPr kumimoji="1" lang="en-US" altLang="ja-JP" dirty="0" smtClean="0"/>
           </a:p>
@@ -10693,6 +10365,288 @@
           <a:xfrm flipH="1">
             <a:off x="6912230" y="1916832"/>
             <a:ext cx="144016" cy="216024"/>
+          </a:xfrm>
+          <a:prstGeom prst="straightConnector1">
+            <a:avLst/>
+          </a:prstGeom>
+          <a:ln w="19050">
+            <a:solidFill>
+              <a:schemeClr val="tx1"/>
+            </a:solidFill>
+            <a:prstDash val="sysDash"/>
+            <a:tailEnd type="triangle" w="lg" len="med"/>
+          </a:ln>
+        </p:spPr>
+        <p:style>
+          <a:lnRef idx="1">
+            <a:schemeClr val="accent1"/>
+          </a:lnRef>
+          <a:fillRef idx="0">
+            <a:schemeClr val="accent1"/>
+          </a:fillRef>
+          <a:effectRef idx="0">
+            <a:schemeClr val="accent1"/>
+          </a:effectRef>
+          <a:fontRef idx="minor">
+            <a:schemeClr val="tx1"/>
+          </a:fontRef>
+        </p:style>
+      </p:cxnSp>
+      <p:sp>
+        <p:nvSpPr>
+          <p:cNvPr id="66" name="正方形/長方形 65"/>
+          <p:cNvSpPr/>
+          <p:nvPr/>
+        </p:nvSpPr>
+        <p:spPr>
+          <a:xfrm>
+            <a:off x="1403648" y="5798692"/>
+            <a:ext cx="1368152" cy="262046"/>
+          </a:xfrm>
+          <a:prstGeom prst="rect">
+            <a:avLst/>
+          </a:prstGeom>
+          <a:noFill/>
+          <a:ln>
+            <a:noFill/>
+          </a:ln>
+        </p:spPr>
+        <p:style>
+          <a:lnRef idx="2">
+            <a:schemeClr val="accent1">
+              <a:shade val="50000"/>
+            </a:schemeClr>
+          </a:lnRef>
+          <a:fillRef idx="1">
+            <a:schemeClr val="accent1"/>
+          </a:fillRef>
+          <a:effectRef idx="0">
+            <a:schemeClr val="accent1"/>
+          </a:effectRef>
+          <a:fontRef idx="minor">
+            <a:schemeClr val="lt1"/>
+          </a:fontRef>
+        </p:style>
+        <p:txBody>
+          <a:bodyPr rtlCol="0" anchor="ctr"/>
+          <a:lstStyle/>
+          <a:p>
+            <a:r>
+              <a:rPr lang="en-US" altLang="ja-JP" dirty="0" smtClean="0">
+                <a:solidFill>
+                  <a:schemeClr val="tx1"/>
+                </a:solidFill>
+              </a:rPr>
+              <a:t>Readme.md</a:t>
+            </a:r>
+            <a:endParaRPr lang="en-US" altLang="ja-JP" dirty="0" smtClean="0">
+              <a:solidFill>
+                <a:schemeClr val="tx1"/>
+              </a:solidFill>
+            </a:endParaRPr>
+          </a:p>
+        </p:txBody>
+      </p:sp>
+      <p:sp>
+        <p:nvSpPr>
+          <p:cNvPr id="67" name="正方形/長方形 66"/>
+          <p:cNvSpPr/>
+          <p:nvPr/>
+        </p:nvSpPr>
+        <p:spPr>
+          <a:xfrm>
+            <a:off x="1403649" y="6070982"/>
+            <a:ext cx="1080120" cy="288032"/>
+          </a:xfrm>
+          <a:prstGeom prst="rect">
+            <a:avLst/>
+          </a:prstGeom>
+          <a:noFill/>
+          <a:ln>
+            <a:noFill/>
+          </a:ln>
+        </p:spPr>
+        <p:style>
+          <a:lnRef idx="2">
+            <a:schemeClr val="accent1">
+              <a:shade val="50000"/>
+            </a:schemeClr>
+          </a:lnRef>
+          <a:fillRef idx="1">
+            <a:schemeClr val="accent1"/>
+          </a:fillRef>
+          <a:effectRef idx="0">
+            <a:schemeClr val="accent1"/>
+          </a:effectRef>
+          <a:fontRef idx="minor">
+            <a:schemeClr val="lt1"/>
+          </a:fontRef>
+        </p:style>
+        <p:txBody>
+          <a:bodyPr rtlCol="0" anchor="ctr"/>
+          <a:lstStyle/>
+          <a:p>
+            <a:r>
+              <a:rPr lang="en-US" altLang="ja-JP" dirty="0" smtClean="0">
+                <a:solidFill>
+                  <a:schemeClr val="tx1"/>
+                </a:solidFill>
+              </a:rPr>
+              <a:t>Foo.java</a:t>
+            </a:r>
+            <a:endParaRPr kumimoji="1" lang="ja-JP" altLang="en-US" dirty="0">
+              <a:solidFill>
+                <a:schemeClr val="tx1"/>
+              </a:solidFill>
+            </a:endParaRPr>
+          </a:p>
+        </p:txBody>
+      </p:sp>
+      <p:cxnSp>
+        <p:nvCxnSpPr>
+          <p:cNvPr id="68" name="直線矢印コネクタ 67"/>
+          <p:cNvCxnSpPr>
+            <a:stCxn id="66" idx="3"/>
+          </p:cNvCxnSpPr>
+          <p:nvPr/>
+        </p:nvCxnSpPr>
+        <p:spPr>
+          <a:xfrm flipV="1">
+            <a:off x="2771800" y="5196642"/>
+            <a:ext cx="1835995" cy="733073"/>
+          </a:xfrm>
+          <a:prstGeom prst="straightConnector1">
+            <a:avLst/>
+          </a:prstGeom>
+          <a:ln w="19050">
+            <a:solidFill>
+              <a:schemeClr val="tx1"/>
+            </a:solidFill>
+            <a:prstDash val="sysDash"/>
+            <a:tailEnd type="triangle" w="lg" len="med"/>
+          </a:ln>
+        </p:spPr>
+        <p:style>
+          <a:lnRef idx="1">
+            <a:schemeClr val="accent1"/>
+          </a:lnRef>
+          <a:fillRef idx="0">
+            <a:schemeClr val="accent1"/>
+          </a:fillRef>
+          <a:effectRef idx="0">
+            <a:schemeClr val="accent1"/>
+          </a:effectRef>
+          <a:fontRef idx="minor">
+            <a:schemeClr val="tx1"/>
+          </a:fontRef>
+        </p:style>
+      </p:cxnSp>
+      <p:cxnSp>
+        <p:nvCxnSpPr>
+          <p:cNvPr id="69" name="直線矢印コネクタ 68"/>
+          <p:cNvCxnSpPr>
+            <a:stCxn id="67" idx="3"/>
+          </p:cNvCxnSpPr>
+          <p:nvPr/>
+        </p:nvCxnSpPr>
+        <p:spPr>
+          <a:xfrm flipV="1">
+            <a:off x="2483769" y="5196642"/>
+            <a:ext cx="3348581" cy="1018356"/>
+          </a:xfrm>
+          <a:prstGeom prst="straightConnector1">
+            <a:avLst/>
+          </a:prstGeom>
+          <a:ln w="19050">
+            <a:solidFill>
+              <a:schemeClr val="tx1"/>
+            </a:solidFill>
+            <a:prstDash val="sysDash"/>
+            <a:tailEnd type="triangle" w="lg" len="med"/>
+          </a:ln>
+        </p:spPr>
+        <p:style>
+          <a:lnRef idx="1">
+            <a:schemeClr val="accent1"/>
+          </a:lnRef>
+          <a:fillRef idx="0">
+            <a:schemeClr val="accent1"/>
+          </a:fillRef>
+          <a:effectRef idx="0">
+            <a:schemeClr val="accent1"/>
+          </a:effectRef>
+          <a:fontRef idx="minor">
+            <a:schemeClr val="tx1"/>
+          </a:fontRef>
+        </p:style>
+      </p:cxnSp>
+      <p:sp>
+        <p:nvSpPr>
+          <p:cNvPr id="70" name="正方形/長方形 69"/>
+          <p:cNvSpPr/>
+          <p:nvPr/>
+        </p:nvSpPr>
+        <p:spPr>
+          <a:xfrm>
+            <a:off x="1403648" y="6369257"/>
+            <a:ext cx="1080121" cy="288032"/>
+          </a:xfrm>
+          <a:prstGeom prst="rect">
+            <a:avLst/>
+          </a:prstGeom>
+          <a:noFill/>
+          <a:ln>
+            <a:noFill/>
+          </a:ln>
+        </p:spPr>
+        <p:style>
+          <a:lnRef idx="2">
+            <a:schemeClr val="accent1">
+              <a:shade val="50000"/>
+            </a:schemeClr>
+          </a:lnRef>
+          <a:fillRef idx="1">
+            <a:schemeClr val="accent1"/>
+          </a:fillRef>
+          <a:effectRef idx="0">
+            <a:schemeClr val="accent1"/>
+          </a:effectRef>
+          <a:fontRef idx="minor">
+            <a:schemeClr val="lt1"/>
+          </a:fontRef>
+        </p:style>
+        <p:txBody>
+          <a:bodyPr rtlCol="0" anchor="ctr"/>
+          <a:lstStyle/>
+          <a:p>
+            <a:r>
+              <a:rPr lang="en-US" altLang="ja-JP" dirty="0" smtClean="0">
+                <a:solidFill>
+                  <a:schemeClr val="tx1"/>
+                </a:solidFill>
+              </a:rPr>
+              <a:t>New.java</a:t>
+            </a:r>
+            <a:endParaRPr kumimoji="1" lang="ja-JP" altLang="en-US" dirty="0">
+              <a:solidFill>
+                <a:schemeClr val="tx1"/>
+              </a:solidFill>
+            </a:endParaRPr>
+          </a:p>
+        </p:txBody>
+      </p:sp>
+      <p:cxnSp>
+        <p:nvCxnSpPr>
+          <p:cNvPr id="71" name="直線矢印コネクタ 70"/>
+          <p:cNvCxnSpPr>
+            <a:stCxn id="70" idx="3"/>
+          </p:cNvCxnSpPr>
+          <p:nvPr/>
+        </p:nvCxnSpPr>
+        <p:spPr>
+          <a:xfrm flipV="1">
+            <a:off x="2483769" y="5188754"/>
+            <a:ext cx="4580682" cy="1324519"/>
           </a:xfrm>
           <a:prstGeom prst="straightConnector1">
             <a:avLst/>
